--- a/EDA_Presentation_v3.pptx
+++ b/EDA_Presentation_v3.pptx
@@ -15,6 +15,7 @@
     <p:sldId id="263" r:id="rId14"/>
     <p:sldId id="264" r:id="rId15"/>
     <p:sldId id="265" r:id="rId16"/>
+    <p:sldId id="266" r:id="rId17"/>
   </p:sldIdLst>
   <p:sldSz cx="12188952" cy="6858000" type="screen4x3"/>
   <p:notesSz cx="6858000" cy="9144000"/>
@@ -3114,7 +3115,7 @@
           <a:p>
             <a:pPr algn="l"/>
             <a:r>
-              <a:t>country</a:t>
+              <a:t>Name</a:t>
             </a:r>
           </a:p>
         </p:txBody>
@@ -3136,7 +3137,7 @@
         <p:spPr>
           <a:xfrm>
             <a:off x="2286000" y="1828800"/>
-            <a:ext cx="7620000" cy="4410414"/>
+            <a:ext cx="7620000" cy="3997223"/>
           </a:xfrm>
           <a:prstGeom prst="rect">
             <a:avLst/>
@@ -3178,7 +3179,7 @@
           <a:p>
             <a:pPr algn="l"/>
             <a:r>
-              <a:t>price</a:t>
+              <a:t>Parch</a:t>
             </a:r>
           </a:p>
         </p:txBody>
@@ -3200,7 +3201,71 @@
         <p:spPr>
           <a:xfrm>
             <a:off x="2286000" y="1371600"/>
-            <a:ext cx="7620000" cy="5162590"/>
+            <a:ext cx="7620000" cy="5296936"/>
+          </a:xfrm>
+          <a:prstGeom prst="rect">
+            <a:avLst/>
+          </a:prstGeom>
+        </p:spPr>
+      </p:pic>
+    </p:spTree>
+  </p:cSld>
+  <p:clrMapOvr>
+    <a:masterClrMapping/>
+  </p:clrMapOvr>
+</p:sld>
+</file>
+
+<file path=ppt/slides/slide11.xml><?xml version="1.0" encoding="utf-8"?>
+<p:sld xmlns:a="http://schemas.openxmlformats.org/drawingml/2006/main" xmlns:p="http://schemas.openxmlformats.org/presentationml/2006/main" xmlns:r="http://schemas.openxmlformats.org/officeDocument/2006/relationships">
+  <p:cSld>
+    <p:spTree>
+      <p:nvGrpSpPr>
+        <p:cNvPr id="1" name=""/>
+        <p:cNvGrpSpPr/>
+        <p:nvPr/>
+      </p:nvGrpSpPr>
+      <p:grpSpPr/>
+      <p:sp>
+        <p:nvSpPr>
+          <p:cNvPr id="2" name="Title 1"/>
+          <p:cNvSpPr>
+            <a:spLocks noGrp="1"/>
+          </p:cNvSpPr>
+          <p:nvPr>
+            <p:ph type="title"/>
+          </p:nvPr>
+        </p:nvSpPr>
+        <p:spPr/>
+        <p:txBody>
+          <a:bodyPr/>
+          <a:lstStyle/>
+          <a:p>
+            <a:pPr algn="l"/>
+            <a:r>
+              <a:t>Fare</a:t>
+            </a:r>
+          </a:p>
+        </p:txBody>
+      </p:sp>
+      <p:pic>
+        <p:nvPicPr>
+          <p:cNvPr id="3" name="Picture 2" descr="image.png"/>
+          <p:cNvPicPr>
+            <a:picLocks noChangeAspect="1"/>
+          </p:cNvPicPr>
+          <p:nvPr/>
+        </p:nvPicPr>
+        <p:blipFill>
+          <a:blip r:embed="rId2"/>
+          <a:stretch>
+            <a:fillRect/>
+          </a:stretch>
+        </p:blipFill>
+        <p:spPr>
+          <a:xfrm>
+            <a:off x="2286000" y="1371600"/>
+            <a:ext cx="7620000" cy="5305063"/>
           </a:xfrm>
           <a:prstGeom prst="rect">
             <a:avLst/>
@@ -3242,7 +3307,7 @@
           <a:p>
             <a:pPr algn="l"/>
             <a:r>
-              <a:t>description</a:t>
+              <a:t>Sex</a:t>
             </a:r>
           </a:p>
         </p:txBody>
@@ -3264,7 +3329,7 @@
         <p:spPr>
           <a:xfrm>
             <a:off x="2286000" y="1828800"/>
-            <a:ext cx="7620000" cy="3755807"/>
+            <a:ext cx="7620000" cy="4416342"/>
           </a:xfrm>
           <a:prstGeom prst="rect">
             <a:avLst/>
@@ -3306,7 +3371,7 @@
           <a:p>
             <a:pPr algn="l"/>
             <a:r>
-              <a:t>designation</a:t>
+              <a:t>Ticket</a:t>
             </a:r>
           </a:p>
         </p:txBody>
@@ -3328,7 +3393,7 @@
         <p:spPr>
           <a:xfrm>
             <a:off x="2286000" y="1828800"/>
-            <a:ext cx="7620000" cy="4259860"/>
+            <a:ext cx="7620000" cy="4079924"/>
           </a:xfrm>
           <a:prstGeom prst="rect">
             <a:avLst/>
@@ -3370,7 +3435,7 @@
           <a:p>
             <a:pPr algn="l"/>
             <a:r>
-              <a:t>province</a:t>
+              <a:t>Cabin</a:t>
             </a:r>
           </a:p>
         </p:txBody>
@@ -3392,7 +3457,7 @@
         <p:spPr>
           <a:xfrm>
             <a:off x="2286000" y="1828800"/>
-            <a:ext cx="7620000" cy="4235105"/>
+            <a:ext cx="7620000" cy="4179499"/>
           </a:xfrm>
           <a:prstGeom prst="rect">
             <a:avLst/>
@@ -3434,7 +3499,7 @@
           <a:p>
             <a:pPr algn="l"/>
             <a:r>
-              <a:t>region_1</a:t>
+              <a:t>Embarked</a:t>
             </a:r>
           </a:p>
         </p:txBody>
@@ -3456,7 +3521,7 @@
         <p:spPr>
           <a:xfrm>
             <a:off x="2286000" y="1828800"/>
-            <a:ext cx="7620000" cy="4097014"/>
+            <a:ext cx="7620000" cy="4537991"/>
           </a:xfrm>
           <a:prstGeom prst="rect">
             <a:avLst/>
@@ -3498,7 +3563,7 @@
           <a:p>
             <a:pPr algn="l"/>
             <a:r>
-              <a:t>region_2</a:t>
+              <a:t>PassengerId</a:t>
             </a:r>
           </a:p>
         </p:txBody>
@@ -3519,8 +3584,8 @@
         </p:blipFill>
         <p:spPr>
           <a:xfrm>
-            <a:off x="2286000" y="1828800"/>
-            <a:ext cx="7620000" cy="4211609"/>
+            <a:off x="2286000" y="1371600"/>
+            <a:ext cx="7620000" cy="5339884"/>
           </a:xfrm>
           <a:prstGeom prst="rect">
             <a:avLst/>
@@ -3562,7 +3627,7 @@
           <a:p>
             <a:pPr algn="l"/>
             <a:r>
-              <a:t>variety</a:t>
+              <a:t>Pclass</a:t>
             </a:r>
           </a:p>
         </p:txBody>
@@ -3583,8 +3648,8 @@
         </p:blipFill>
         <p:spPr>
           <a:xfrm>
-            <a:off x="2286000" y="1828800"/>
-            <a:ext cx="7620000" cy="4008673"/>
+            <a:off x="2286000" y="1371600"/>
+            <a:ext cx="7620000" cy="5296936"/>
           </a:xfrm>
           <a:prstGeom prst="rect">
             <a:avLst/>
@@ -3626,7 +3691,7 @@
           <a:p>
             <a:pPr algn="l"/>
             <a:r>
-              <a:t>winery</a:t>
+              <a:t>Age</a:t>
             </a:r>
           </a:p>
         </p:txBody>
@@ -3647,8 +3712,8 @@
         </p:blipFill>
         <p:spPr>
           <a:xfrm>
-            <a:off x="2286000" y="1828800"/>
-            <a:ext cx="7620000" cy="4092412"/>
+            <a:off x="2286000" y="1371600"/>
+            <a:ext cx="7620000" cy="5339884"/>
           </a:xfrm>
           <a:prstGeom prst="rect">
             <a:avLst/>
@@ -3690,7 +3755,7 @@
           <a:p>
             <a:pPr algn="l"/>
             <a:r>
-              <a:t>points</a:t>
+              <a:t>SibSp</a:t>
             </a:r>
           </a:p>
         </p:txBody>
@@ -3712,7 +3777,7 @@
         <p:spPr>
           <a:xfrm>
             <a:off x="2286000" y="1371600"/>
-            <a:ext cx="7620000" cy="5202804"/>
+            <a:ext cx="7620000" cy="5296936"/>
           </a:xfrm>
           <a:prstGeom prst="rect">
             <a:avLst/>
